--- a/objet/Cours/3.Exercice Programmation Orienté Objet (POO) v2.0.0 ST.pptx
+++ b/objet/Cours/3.Exercice Programmation Orienté Objet (POO) v2.0.0 ST.pptx
@@ -485,7 +485,7 @@
             <a:fld id="{8D7B3548-5A9D-4D75-8817-7D1339F50070}" type="datetimeFigureOut">
               <a:rPr lang="fr-FR" smtClean="0"/>
               <a:pPr/>
-              <a:t>28/11/2022</a:t>
+              <a:t>06/01/2023</a:t>
             </a:fld>
             <a:endParaRPr lang="fr-FR"/>
           </a:p>
@@ -646,7 +646,7 @@
             <a:fld id="{DD8B4D98-B40C-4345-867D-3BF450DB8757}" type="slidenum">
               <a:rPr lang="fr-FR" smtClean="0"/>
               <a:pPr/>
-              <a:t>‹#›</a:t>
+              <a:t>‹N°›</a:t>
             </a:fld>
             <a:endParaRPr lang="fr-FR"/>
           </a:p>
@@ -893,7 +893,7 @@
             <a:fld id="{C437C658-8D4C-47F9-A75C-0D2991D047FE}" type="datetime1">
               <a:rPr lang="fr-FR" smtClean="0"/>
               <a:pPr/>
-              <a:t>28/11/2022</a:t>
+              <a:t>06/01/2023</a:t>
             </a:fld>
             <a:endParaRPr lang="fr-BE"/>
           </a:p>
@@ -1640,7 +1640,7 @@
             <a:fld id="{CF4668DC-857F-487D-BFFA-8C0CA5037977}" type="slidenum">
               <a:rPr lang="fr-BE" smtClean="0"/>
               <a:pPr/>
-              <a:t>‹#›</a:t>
+              <a:t>‹N°›</a:t>
             </a:fld>
             <a:endParaRPr lang="fr-BE"/>
           </a:p>
@@ -1764,7 +1764,7 @@
             <a:fld id="{EC423CA3-03C0-49EF-81D4-CFF4BB0E0CCA}" type="datetime1">
               <a:rPr lang="fr-FR" smtClean="0"/>
               <a:pPr/>
-              <a:t>28/11/2022</a:t>
+              <a:t>06/01/2023</a:t>
             </a:fld>
             <a:endParaRPr lang="fr-BE"/>
           </a:p>
@@ -1807,7 +1807,7 @@
             <a:fld id="{CF4668DC-857F-487D-BFFA-8C0CA5037977}" type="slidenum">
               <a:rPr lang="fr-BE" smtClean="0"/>
               <a:pPr/>
-              <a:t>‹#›</a:t>
+              <a:t>‹N°›</a:t>
             </a:fld>
             <a:endParaRPr lang="fr-BE"/>
           </a:p>
@@ -1941,7 +1941,7 @@
             <a:fld id="{E216D527-35A7-4A7A-9884-01E5CDE3E5A4}" type="datetime1">
               <a:rPr lang="fr-FR" smtClean="0"/>
               <a:pPr/>
-              <a:t>28/11/2022</a:t>
+              <a:t>06/01/2023</a:t>
             </a:fld>
             <a:endParaRPr lang="fr-BE"/>
           </a:p>
@@ -1984,7 +1984,7 @@
             <a:fld id="{CF4668DC-857F-487D-BFFA-8C0CA5037977}" type="slidenum">
               <a:rPr lang="fr-BE" smtClean="0"/>
               <a:pPr/>
-              <a:t>‹#›</a:t>
+              <a:t>‹N°›</a:t>
             </a:fld>
             <a:endParaRPr lang="fr-BE"/>
           </a:p>
@@ -2113,7 +2113,7 @@
             <a:fld id="{757BF8AB-CD0A-469A-859F-B62421D67776}" type="datetime1">
               <a:rPr lang="fr-FR" smtClean="0"/>
               <a:pPr/>
-              <a:t>28/11/2022</a:t>
+              <a:t>06/01/2023</a:t>
             </a:fld>
             <a:endParaRPr lang="fr-BE"/>
           </a:p>
@@ -2137,7 +2137,7 @@
             <a:fld id="{CF4668DC-857F-487D-BFFA-8C0CA5037977}" type="slidenum">
               <a:rPr lang="fr-BE" smtClean="0"/>
               <a:pPr/>
-              <a:t>‹#›</a:t>
+              <a:t>‹N°›</a:t>
             </a:fld>
             <a:endParaRPr lang="fr-BE"/>
           </a:p>
@@ -2325,7 +2325,7 @@
             <a:fld id="{D41F2E60-4DCE-4C8D-9588-D3B4779CAB35}" type="datetime1">
               <a:rPr lang="fr-FR" smtClean="0"/>
               <a:pPr/>
-              <a:t>28/11/2022</a:t>
+              <a:t>06/01/2023</a:t>
             </a:fld>
             <a:endParaRPr lang="fr-BE"/>
           </a:p>
@@ -3069,7 +3069,7 @@
             <a:fld id="{CF4668DC-857F-487D-BFFA-8C0CA5037977}" type="slidenum">
               <a:rPr lang="fr-BE" smtClean="0"/>
               <a:pPr/>
-              <a:t>‹#›</a:t>
+              <a:t>‹N°›</a:t>
             </a:fld>
             <a:endParaRPr lang="fr-BE"/>
           </a:p>
@@ -3141,7 +3141,7 @@
             <a:fld id="{CF5F539A-F26F-4A85-B46F-4014B6577472}" type="datetime1">
               <a:rPr lang="fr-FR" smtClean="0"/>
               <a:pPr/>
-              <a:t>28/11/2022</a:t>
+              <a:t>06/01/2023</a:t>
             </a:fld>
             <a:endParaRPr lang="fr-BE"/>
           </a:p>
@@ -3184,7 +3184,7 @@
             <a:fld id="{CF4668DC-857F-487D-BFFA-8C0CA5037977}" type="slidenum">
               <a:rPr lang="fr-BE" smtClean="0"/>
               <a:pPr/>
-              <a:t>‹#›</a:t>
+              <a:t>‹N°›</a:t>
             </a:fld>
             <a:endParaRPr lang="fr-BE"/>
           </a:p>
@@ -3379,7 +3379,7 @@
             <a:fld id="{4EC6EB92-5ADA-44FF-B294-62DC5691CBE4}" type="datetime1">
               <a:rPr lang="fr-FR" smtClean="0"/>
               <a:pPr/>
-              <a:t>28/11/2022</a:t>
+              <a:t>06/01/2023</a:t>
             </a:fld>
             <a:endParaRPr lang="fr-BE"/>
           </a:p>
@@ -3422,7 +3422,7 @@
             <a:fld id="{CF4668DC-857F-487D-BFFA-8C0CA5037977}" type="slidenum">
               <a:rPr lang="fr-BE" smtClean="0"/>
               <a:pPr/>
-              <a:t>‹#›</a:t>
+              <a:t>‹N°›</a:t>
             </a:fld>
             <a:endParaRPr lang="fr-BE"/>
           </a:p>
@@ -3704,7 +3704,7 @@
             <a:fld id="{CFD3A281-2F8C-4077-8F73-53D6993E6F5F}" type="datetime1">
               <a:rPr lang="fr-FR" smtClean="0"/>
               <a:pPr/>
-              <a:t>28/11/2022</a:t>
+              <a:t>06/01/2023</a:t>
             </a:fld>
             <a:endParaRPr lang="fr-BE"/>
           </a:p>
@@ -3728,7 +3728,7 @@
             <a:fld id="{CF4668DC-857F-487D-BFFA-8C0CA5037977}" type="slidenum">
               <a:rPr lang="fr-BE" smtClean="0"/>
               <a:pPr/>
-              <a:t>‹#›</a:t>
+              <a:t>‹N°›</a:t>
             </a:fld>
             <a:endParaRPr lang="fr-BE"/>
           </a:p>
@@ -3796,7 +3796,7 @@
             <a:fld id="{2B6F1A48-1AC0-4131-9366-6D216501CA28}" type="datetime1">
               <a:rPr lang="fr-FR" smtClean="0"/>
               <a:pPr/>
-              <a:t>28/11/2022</a:t>
+              <a:t>06/01/2023</a:t>
             </a:fld>
             <a:endParaRPr lang="fr-BE"/>
           </a:p>
@@ -3839,7 +3839,7 @@
             <a:fld id="{CF4668DC-857F-487D-BFFA-8C0CA5037977}" type="slidenum">
               <a:rPr lang="fr-BE" smtClean="0"/>
               <a:pPr/>
-              <a:t>‹#›</a:t>
+              <a:t>‹N°›</a:t>
             </a:fld>
             <a:endParaRPr lang="fr-BE"/>
           </a:p>
@@ -4315,7 +4315,7 @@
             <a:fld id="{FF2C4F34-FE7B-426B-B950-A237D4B320F4}" type="datetime1">
               <a:rPr lang="fr-FR" smtClean="0"/>
               <a:pPr/>
-              <a:t>28/11/2022</a:t>
+              <a:t>06/01/2023</a:t>
             </a:fld>
             <a:endParaRPr lang="fr-BE"/>
           </a:p>
@@ -4339,7 +4339,7 @@
             <a:fld id="{CF4668DC-857F-487D-BFFA-8C0CA5037977}" type="slidenum">
               <a:rPr lang="fr-BE" smtClean="0"/>
               <a:pPr/>
-              <a:t>‹#›</a:t>
+              <a:t>‹N°›</a:t>
             </a:fld>
             <a:endParaRPr lang="fr-BE"/>
           </a:p>
@@ -4828,7 +4828,7 @@
             <a:fld id="{3A7A4B61-ACA1-4752-B54B-368AD516D48E}" type="datetime1">
               <a:rPr lang="fr-FR" smtClean="0"/>
               <a:pPr/>
-              <a:t>28/11/2022</a:t>
+              <a:t>06/01/2023</a:t>
             </a:fld>
             <a:endParaRPr lang="fr-BE"/>
           </a:p>
@@ -4852,7 +4852,7 @@
             <a:fld id="{CF4668DC-857F-487D-BFFA-8C0CA5037977}" type="slidenum">
               <a:rPr lang="fr-BE" smtClean="0"/>
               <a:pPr/>
-              <a:t>‹#›</a:t>
+              <a:t>‹N°›</a:t>
             </a:fld>
             <a:endParaRPr lang="fr-BE"/>
           </a:p>
@@ -5075,7 +5075,7 @@
             <a:fld id="{10BD0D7C-6207-419E-AD46-BD4E8C046A7B}" type="datetime1">
               <a:rPr lang="fr-FR" smtClean="0"/>
               <a:pPr/>
-              <a:t>28/11/2022</a:t>
+              <a:t>06/01/2023</a:t>
             </a:fld>
             <a:endParaRPr lang="fr-BE"/>
           </a:p>
@@ -5352,7 +5352,7 @@
             <a:fld id="{CF4668DC-857F-487D-BFFA-8C0CA5037977}" type="slidenum">
               <a:rPr lang="fr-BE" smtClean="0"/>
               <a:pPr/>
-              <a:t>‹#›</a:t>
+              <a:t>‹N°›</a:t>
             </a:fld>
             <a:endParaRPr lang="fr-BE"/>
           </a:p>
@@ -22083,21 +22083,12 @@
 </file>
 
 <file path=customXml/item1.xml><?xml version="1.0" encoding="utf-8"?>
-<?mso-contentType ?>
-<FormTemplates xmlns="http://schemas.microsoft.com/sharepoint/v3/contenttype/forms">
-  <Display>DocumentLibraryForm</Display>
-  <Edit>DocumentLibraryForm</Edit>
-  <New>DocumentLibraryForm</New>
-</FormTemplates>
-</file>
-
-<file path=customXml/item2.xml><?xml version="1.0" encoding="utf-8"?>
 <p:properties xmlns:p="http://schemas.microsoft.com/office/2006/metadata/properties" xmlns:xsi="http://www.w3.org/2001/XMLSchema-instance" xmlns:pc="http://schemas.microsoft.com/office/infopath/2007/PartnerControls">
   <documentManagement/>
 </p:properties>
 </file>
 
-<file path=customXml/item3.xml><?xml version="1.0" encoding="utf-8"?>
+<file path=customXml/item2.xml><?xml version="1.0" encoding="utf-8"?>
 <ct:contentTypeSchema xmlns:ct="http://schemas.microsoft.com/office/2006/metadata/contentType" xmlns:ma="http://schemas.microsoft.com/office/2006/metadata/properties/metaAttributes" ct:_="" ma:_="" ma:contentTypeName="Document" ma:contentTypeID="0x0101001F084DBE5F6E184A9CC5F1C28F632A8D" ma:contentTypeVersion="0" ma:contentTypeDescription="Crée un document." ma:contentTypeScope="" ma:versionID="db4881d2ec2e883a7c6e8e1b8dc14789">
   <xsd:schema xmlns:xsd="http://www.w3.org/2001/XMLSchema" xmlns:xs="http://www.w3.org/2001/XMLSchema" xmlns:p="http://schemas.microsoft.com/office/2006/metadata/properties" targetNamespace="http://schemas.microsoft.com/office/2006/metadata/properties" ma:root="true" ma:fieldsID="ab09c1ba23edfaa45a5e9d385267c9b5">
     <xsd:element name="properties">
@@ -22211,15 +22202,16 @@
 </ct:contentTypeSchema>
 </file>
 
-<file path=customXml/itemProps1.xml><?xml version="1.0" encoding="utf-8"?>
-<ds:datastoreItem xmlns:ds="http://schemas.openxmlformats.org/officeDocument/2006/customXml" ds:itemID="{FB2333EC-022C-4C1C-A166-8699C5B93B3E}">
-  <ds:schemaRefs>
-    <ds:schemaRef ds:uri="http://schemas.microsoft.com/sharepoint/v3/contenttype/forms"/>
-  </ds:schemaRefs>
-</ds:datastoreItem>
+<file path=customXml/item3.xml><?xml version="1.0" encoding="utf-8"?>
+<?mso-contentType ?>
+<FormTemplates xmlns="http://schemas.microsoft.com/sharepoint/v3/contenttype/forms">
+  <Display>DocumentLibraryForm</Display>
+  <Edit>DocumentLibraryForm</Edit>
+  <New>DocumentLibraryForm</New>
+</FormTemplates>
 </file>
 
-<file path=customXml/itemProps2.xml><?xml version="1.0" encoding="utf-8"?>
+<file path=customXml/itemProps1.xml><?xml version="1.0" encoding="utf-8"?>
 <ds:datastoreItem xmlns:ds="http://schemas.openxmlformats.org/officeDocument/2006/customXml" ds:itemID="{6D32A8A2-88DF-4F56-8D6F-0F7142E9368A}">
   <ds:schemaRefs>
     <ds:schemaRef ds:uri="http://purl.org/dc/dcmitype/"/>
@@ -22234,7 +22226,7 @@
 </ds:datastoreItem>
 </file>
 
-<file path=customXml/itemProps3.xml><?xml version="1.0" encoding="utf-8"?>
+<file path=customXml/itemProps2.xml><?xml version="1.0" encoding="utf-8"?>
 <ds:datastoreItem xmlns:ds="http://schemas.openxmlformats.org/officeDocument/2006/customXml" ds:itemID="{7DB95482-66DE-4FF9-8840-6EA5239515DA}">
   <ds:schemaRefs>
     <ds:schemaRef ds:uri="http://purl.org/dc/elements/1.1/"/>
@@ -22248,4 +22240,12 @@
     <ds:schemaRef ds:uri="http://www.w3.org/2001/XMLSchema"/>
   </ds:schemaRefs>
 </ds:datastoreItem>
+</file>
+
+<file path=customXml/itemProps3.xml><?xml version="1.0" encoding="utf-8"?>
+<ds:datastoreItem xmlns:ds="http://schemas.openxmlformats.org/officeDocument/2006/customXml" ds:itemID="{FB2333EC-022C-4C1C-A166-8699C5B93B3E}">
+  <ds:schemaRefs>
+    <ds:schemaRef ds:uri="http://schemas.microsoft.com/sharepoint/v3/contenttype/forms"/>
+  </ds:schemaRefs>
+</ds:datastoreItem>
 </file>
--- a/objet/Cours/3.Exercice Programmation Orienté Objet (POO) v2.0.0 ST.pptx
+++ b/objet/Cours/3.Exercice Programmation Orienté Objet (POO) v2.0.0 ST.pptx
@@ -485,7 +485,7 @@
             <a:fld id="{8D7B3548-5A9D-4D75-8817-7D1339F50070}" type="datetimeFigureOut">
               <a:rPr lang="fr-FR" smtClean="0"/>
               <a:pPr/>
-              <a:t>06/01/2023</a:t>
+              <a:t>09/01/2023</a:t>
             </a:fld>
             <a:endParaRPr lang="fr-FR"/>
           </a:p>
@@ -893,7 +893,7 @@
             <a:fld id="{C437C658-8D4C-47F9-A75C-0D2991D047FE}" type="datetime1">
               <a:rPr lang="fr-FR" smtClean="0"/>
               <a:pPr/>
-              <a:t>06/01/2023</a:t>
+              <a:t>09/01/2023</a:t>
             </a:fld>
             <a:endParaRPr lang="fr-BE"/>
           </a:p>
@@ -1764,7 +1764,7 @@
             <a:fld id="{EC423CA3-03C0-49EF-81D4-CFF4BB0E0CCA}" type="datetime1">
               <a:rPr lang="fr-FR" smtClean="0"/>
               <a:pPr/>
-              <a:t>06/01/2023</a:t>
+              <a:t>09/01/2023</a:t>
             </a:fld>
             <a:endParaRPr lang="fr-BE"/>
           </a:p>
@@ -1941,7 +1941,7 @@
             <a:fld id="{E216D527-35A7-4A7A-9884-01E5CDE3E5A4}" type="datetime1">
               <a:rPr lang="fr-FR" smtClean="0"/>
               <a:pPr/>
-              <a:t>06/01/2023</a:t>
+              <a:t>09/01/2023</a:t>
             </a:fld>
             <a:endParaRPr lang="fr-BE"/>
           </a:p>
@@ -2113,7 +2113,7 @@
             <a:fld id="{757BF8AB-CD0A-469A-859F-B62421D67776}" type="datetime1">
               <a:rPr lang="fr-FR" smtClean="0"/>
               <a:pPr/>
-              <a:t>06/01/2023</a:t>
+              <a:t>09/01/2023</a:t>
             </a:fld>
             <a:endParaRPr lang="fr-BE"/>
           </a:p>
@@ -2325,7 +2325,7 @@
             <a:fld id="{D41F2E60-4DCE-4C8D-9588-D3B4779CAB35}" type="datetime1">
               <a:rPr lang="fr-FR" smtClean="0"/>
               <a:pPr/>
-              <a:t>06/01/2023</a:t>
+              <a:t>09/01/2023</a:t>
             </a:fld>
             <a:endParaRPr lang="fr-BE"/>
           </a:p>
@@ -3141,7 +3141,7 @@
             <a:fld id="{CF5F539A-F26F-4A85-B46F-4014B6577472}" type="datetime1">
               <a:rPr lang="fr-FR" smtClean="0"/>
               <a:pPr/>
-              <a:t>06/01/2023</a:t>
+              <a:t>09/01/2023</a:t>
             </a:fld>
             <a:endParaRPr lang="fr-BE"/>
           </a:p>
@@ -3379,7 +3379,7 @@
             <a:fld id="{4EC6EB92-5ADA-44FF-B294-62DC5691CBE4}" type="datetime1">
               <a:rPr lang="fr-FR" smtClean="0"/>
               <a:pPr/>
-              <a:t>06/01/2023</a:t>
+              <a:t>09/01/2023</a:t>
             </a:fld>
             <a:endParaRPr lang="fr-BE"/>
           </a:p>
@@ -3704,7 +3704,7 @@
             <a:fld id="{CFD3A281-2F8C-4077-8F73-53D6993E6F5F}" type="datetime1">
               <a:rPr lang="fr-FR" smtClean="0"/>
               <a:pPr/>
-              <a:t>06/01/2023</a:t>
+              <a:t>09/01/2023</a:t>
             </a:fld>
             <a:endParaRPr lang="fr-BE"/>
           </a:p>
@@ -3796,7 +3796,7 @@
             <a:fld id="{2B6F1A48-1AC0-4131-9366-6D216501CA28}" type="datetime1">
               <a:rPr lang="fr-FR" smtClean="0"/>
               <a:pPr/>
-              <a:t>06/01/2023</a:t>
+              <a:t>09/01/2023</a:t>
             </a:fld>
             <a:endParaRPr lang="fr-BE"/>
           </a:p>
@@ -4315,7 +4315,7 @@
             <a:fld id="{FF2C4F34-FE7B-426B-B950-A237D4B320F4}" type="datetime1">
               <a:rPr lang="fr-FR" smtClean="0"/>
               <a:pPr/>
-              <a:t>06/01/2023</a:t>
+              <a:t>09/01/2023</a:t>
             </a:fld>
             <a:endParaRPr lang="fr-BE"/>
           </a:p>
@@ -4828,7 +4828,7 @@
             <a:fld id="{3A7A4B61-ACA1-4752-B54B-368AD516D48E}" type="datetime1">
               <a:rPr lang="fr-FR" smtClean="0"/>
               <a:pPr/>
-              <a:t>06/01/2023</a:t>
+              <a:t>09/01/2023</a:t>
             </a:fld>
             <a:endParaRPr lang="fr-BE"/>
           </a:p>
@@ -5075,7 +5075,7 @@
             <a:fld id="{10BD0D7C-6207-419E-AD46-BD4E8C046A7B}" type="datetime1">
               <a:rPr lang="fr-FR" smtClean="0"/>
               <a:pPr/>
-              <a:t>06/01/2023</a:t>
+              <a:t>09/01/2023</a:t>
             </a:fld>
             <a:endParaRPr lang="fr-BE"/>
           </a:p>
@@ -22083,12 +22083,6 @@
 </file>
 
 <file path=customXml/item1.xml><?xml version="1.0" encoding="utf-8"?>
-<p:properties xmlns:p="http://schemas.microsoft.com/office/2006/metadata/properties" xmlns:xsi="http://www.w3.org/2001/XMLSchema-instance" xmlns:pc="http://schemas.microsoft.com/office/infopath/2007/PartnerControls">
-  <documentManagement/>
-</p:properties>
-</file>
-
-<file path=customXml/item2.xml><?xml version="1.0" encoding="utf-8"?>
 <ct:contentTypeSchema xmlns:ct="http://schemas.microsoft.com/office/2006/metadata/contentType" xmlns:ma="http://schemas.microsoft.com/office/2006/metadata/properties/metaAttributes" ct:_="" ma:_="" ma:contentTypeName="Document" ma:contentTypeID="0x0101001F084DBE5F6E184A9CC5F1C28F632A8D" ma:contentTypeVersion="0" ma:contentTypeDescription="Crée un document." ma:contentTypeScope="" ma:versionID="db4881d2ec2e883a7c6e8e1b8dc14789">
   <xsd:schema xmlns:xsd="http://www.w3.org/2001/XMLSchema" xmlns:xs="http://www.w3.org/2001/XMLSchema" xmlns:p="http://schemas.microsoft.com/office/2006/metadata/properties" targetNamespace="http://schemas.microsoft.com/office/2006/metadata/properties" ma:root="true" ma:fieldsID="ab09c1ba23edfaa45a5e9d385267c9b5">
     <xsd:element name="properties">
@@ -22202,7 +22196,7 @@
 </ct:contentTypeSchema>
 </file>
 
-<file path=customXml/item3.xml><?xml version="1.0" encoding="utf-8"?>
+<file path=customXml/item2.xml><?xml version="1.0" encoding="utf-8"?>
 <?mso-contentType ?>
 <FormTemplates xmlns="http://schemas.microsoft.com/sharepoint/v3/contenttype/forms">
   <Display>DocumentLibraryForm</Display>
@@ -22211,22 +22205,13 @@
 </FormTemplates>
 </file>
 
-<file path=customXml/itemProps1.xml><?xml version="1.0" encoding="utf-8"?>
-<ds:datastoreItem xmlns:ds="http://schemas.openxmlformats.org/officeDocument/2006/customXml" ds:itemID="{6D32A8A2-88DF-4F56-8D6F-0F7142E9368A}">
-  <ds:schemaRefs>
-    <ds:schemaRef ds:uri="http://purl.org/dc/dcmitype/"/>
-    <ds:schemaRef ds:uri="http://purl.org/dc/elements/1.1/"/>
-    <ds:schemaRef ds:uri="http://purl.org/dc/terms/"/>
-    <ds:schemaRef ds:uri="http://schemas.microsoft.com/office/2006/documentManagement/types"/>
-    <ds:schemaRef ds:uri="http://schemas.microsoft.com/office/2006/metadata/properties"/>
-    <ds:schemaRef ds:uri="http://schemas.microsoft.com/office/infopath/2007/PartnerControls"/>
-    <ds:schemaRef ds:uri="http://schemas.openxmlformats.org/package/2006/metadata/core-properties"/>
-    <ds:schemaRef ds:uri="http://www.w3.org/XML/1998/namespace"/>
-  </ds:schemaRefs>
-</ds:datastoreItem>
+<file path=customXml/item3.xml><?xml version="1.0" encoding="utf-8"?>
+<p:properties xmlns:p="http://schemas.microsoft.com/office/2006/metadata/properties" xmlns:xsi="http://www.w3.org/2001/XMLSchema-instance" xmlns:pc="http://schemas.microsoft.com/office/infopath/2007/PartnerControls">
+  <documentManagement/>
+</p:properties>
 </file>
 
-<file path=customXml/itemProps2.xml><?xml version="1.0" encoding="utf-8"?>
+<file path=customXml/itemProps1.xml><?xml version="1.0" encoding="utf-8"?>
 <ds:datastoreItem xmlns:ds="http://schemas.openxmlformats.org/officeDocument/2006/customXml" ds:itemID="{7DB95482-66DE-4FF9-8840-6EA5239515DA}">
   <ds:schemaRefs>
     <ds:schemaRef ds:uri="http://purl.org/dc/elements/1.1/"/>
@@ -22242,10 +22227,25 @@
 </ds:datastoreItem>
 </file>
 
-<file path=customXml/itemProps3.xml><?xml version="1.0" encoding="utf-8"?>
+<file path=customXml/itemProps2.xml><?xml version="1.0" encoding="utf-8"?>
 <ds:datastoreItem xmlns:ds="http://schemas.openxmlformats.org/officeDocument/2006/customXml" ds:itemID="{FB2333EC-022C-4C1C-A166-8699C5B93B3E}">
   <ds:schemaRefs>
     <ds:schemaRef ds:uri="http://schemas.microsoft.com/sharepoint/v3/contenttype/forms"/>
   </ds:schemaRefs>
 </ds:datastoreItem>
+</file>
+
+<file path=customXml/itemProps3.xml><?xml version="1.0" encoding="utf-8"?>
+<ds:datastoreItem xmlns:ds="http://schemas.openxmlformats.org/officeDocument/2006/customXml" ds:itemID="{6D32A8A2-88DF-4F56-8D6F-0F7142E9368A}">
+  <ds:schemaRefs>
+    <ds:schemaRef ds:uri="http://purl.org/dc/dcmitype/"/>
+    <ds:schemaRef ds:uri="http://purl.org/dc/elements/1.1/"/>
+    <ds:schemaRef ds:uri="http://purl.org/dc/terms/"/>
+    <ds:schemaRef ds:uri="http://schemas.microsoft.com/office/2006/documentManagement/types"/>
+    <ds:schemaRef ds:uri="http://schemas.microsoft.com/office/2006/metadata/properties"/>
+    <ds:schemaRef ds:uri="http://schemas.microsoft.com/office/infopath/2007/PartnerControls"/>
+    <ds:schemaRef ds:uri="http://schemas.openxmlformats.org/package/2006/metadata/core-properties"/>
+    <ds:schemaRef ds:uri="http://www.w3.org/XML/1998/namespace"/>
+  </ds:schemaRefs>
+</ds:datastoreItem>
 </file>